--- a/BlockerPresentation.pptx
+++ b/BlockerPresentation.pptx
@@ -8,6 +8,10 @@
     <p:sldId id="256" r:id="rId2"/>
     <p:sldId id="257" r:id="rId3"/>
     <p:sldId id="258" r:id="rId4"/>
+    <p:sldId id="259" r:id="rId5"/>
+    <p:sldId id="260" r:id="rId6"/>
+    <p:sldId id="261" r:id="rId7"/>
+    <p:sldId id="262" r:id="rId8"/>
   </p:sldIdLst>
   <p:sldSz cx="9144000" cy="6858000" type="screen4x3"/>
   <p:notesSz cx="6858000" cy="9144000"/>
@@ -3429,7 +3433,7 @@
         <p:spPr>
           <a:xfrm>
             <a:off x="3131840" y="620688"/>
-            <a:ext cx="2641877" cy="830997"/>
+            <a:ext cx="2751074" cy="830997"/>
           </a:xfrm>
           <a:prstGeom prst="rect">
             <a:avLst/>
@@ -3451,8 +3455,12 @@
               <a:t> </a:t>
             </a:r>
             <a:r>
+              <a:rPr lang="fi-FI" sz="4800" dirty="0" err="1"/>
+              <a:t>G</a:t>
+            </a:r>
+            <a:r>
               <a:rPr lang="fi-FI" sz="4800" dirty="0" err="1" smtClean="0"/>
-              <a:t>game</a:t>
+              <a:t>ame</a:t>
             </a:r>
             <a:endParaRPr lang="fi-FI" sz="4800" dirty="0"/>
           </a:p>
@@ -3466,7 +3474,7 @@
         </p:nvSpPr>
         <p:spPr>
           <a:xfrm>
-            <a:off x="778037" y="1600755"/>
+            <a:off x="778037" y="1628800"/>
             <a:ext cx="7416824" cy="3139321"/>
           </a:xfrm>
           <a:prstGeom prst="rect">
@@ -3486,7 +3494,15 @@
             </a:r>
             <a:r>
               <a:rPr lang="en-US" dirty="0" smtClean="0"/>
-              <a:t>To block </a:t>
+              <a:t>To </a:t>
+            </a:r>
+            <a:r>
+              <a:rPr lang="en-US" dirty="0" smtClean="0"/>
+              <a:t>catch</a:t>
+            </a:r>
+            <a:r>
+              <a:rPr lang="en-US" dirty="0" smtClean="0"/>
+              <a:t> </a:t>
             </a:r>
             <a:r>
               <a:rPr lang="en-US" i="1" dirty="0" smtClean="0"/>
@@ -3651,6 +3667,1807 @@
     <p:extLst>
       <p:ext uri="{BB962C8B-B14F-4D97-AF65-F5344CB8AC3E}">
         <p14:creationId xmlns:p14="http://schemas.microsoft.com/office/powerpoint/2010/main" val="1509248842"/>
+      </p:ext>
+    </p:extLst>
+  </p:cSld>
+  <p:clrMapOvr>
+    <a:masterClrMapping/>
+  </p:clrMapOvr>
+</p:sld>
+</file>
+
+<file path=ppt/slides/slide4.xml><?xml version="1.0" encoding="utf-8"?>
+<p:sld xmlns:a="http://schemas.openxmlformats.org/drawingml/2006/main" xmlns:r="http://schemas.openxmlformats.org/officeDocument/2006/relationships" xmlns:p="http://schemas.openxmlformats.org/presentationml/2006/main">
+  <p:cSld>
+    <p:spTree>
+      <p:nvGrpSpPr>
+        <p:cNvPr id="1" name=""/>
+        <p:cNvGrpSpPr/>
+        <p:nvPr/>
+      </p:nvGrpSpPr>
+      <p:grpSpPr>
+        <a:xfrm>
+          <a:off x="0" y="0"/>
+          <a:ext cx="0" cy="0"/>
+          <a:chOff x="0" y="0"/>
+          <a:chExt cx="0" cy="0"/>
+        </a:xfrm>
+      </p:grpSpPr>
+      <p:sp>
+        <p:nvSpPr>
+          <p:cNvPr id="2" name="Tekstiruutu 1"/>
+          <p:cNvSpPr txBox="1"/>
+          <p:nvPr/>
+        </p:nvSpPr>
+        <p:spPr>
+          <a:xfrm>
+            <a:off x="2749005" y="980728"/>
+            <a:ext cx="4014304" cy="707886"/>
+          </a:xfrm>
+          <a:prstGeom prst="rect">
+            <a:avLst/>
+          </a:prstGeom>
+          <a:noFill/>
+        </p:spPr>
+        <p:txBody>
+          <a:bodyPr wrap="none" rtlCol="0">
+            <a:spAutoFit/>
+          </a:bodyPr>
+          <a:lstStyle/>
+          <a:p>
+            <a:r>
+              <a:rPr lang="fi-FI" sz="4000" u="sng" dirty="0" smtClean="0"/>
+              <a:t>Basic Components</a:t>
+            </a:r>
+            <a:endParaRPr lang="fi-FI" sz="4000" u="sng" dirty="0"/>
+          </a:p>
+        </p:txBody>
+      </p:sp>
+      <p:sp>
+        <p:nvSpPr>
+          <p:cNvPr id="3" name="Tekstiruutu 2"/>
+          <p:cNvSpPr txBox="1"/>
+          <p:nvPr/>
+        </p:nvSpPr>
+        <p:spPr>
+          <a:xfrm>
+            <a:off x="2791196" y="2060847"/>
+            <a:ext cx="3929922" cy="2616101"/>
+          </a:xfrm>
+          <a:prstGeom prst="rect">
+            <a:avLst/>
+          </a:prstGeom>
+          <a:noFill/>
+        </p:spPr>
+        <p:txBody>
+          <a:bodyPr wrap="none" rtlCol="0">
+            <a:spAutoFit/>
+          </a:bodyPr>
+          <a:lstStyle/>
+          <a:p>
+            <a:pPr marL="285750" indent="-285750" algn="ctr">
+              <a:buFont typeface="Wingdings" panose="05000000000000000000" pitchFamily="2" charset="2"/>
+              <a:buChar char="§"/>
+            </a:pPr>
+            <a:r>
+              <a:rPr lang="fi-FI" sz="2800" b="1" dirty="0" err="1" smtClean="0"/>
+              <a:t>Map</a:t>
+            </a:r>
+            <a:r>
+              <a:rPr lang="fi-FI" sz="2800" b="1" dirty="0" smtClean="0"/>
+              <a:t> </a:t>
+            </a:r>
+            <a:r>
+              <a:rPr lang="fi-FI" sz="2800" b="1" dirty="0" err="1" smtClean="0"/>
+              <a:t>Generation</a:t>
+            </a:r>
+            <a:endParaRPr lang="fi-FI" sz="2800" b="1" dirty="0" smtClean="0"/>
+          </a:p>
+          <a:p>
+            <a:pPr algn="ctr"/>
+            <a:r>
+              <a:rPr lang="fi-FI" sz="1600" dirty="0" err="1" smtClean="0"/>
+              <a:t>Random</a:t>
+            </a:r>
+            <a:r>
+              <a:rPr lang="fi-FI" sz="1600" dirty="0" smtClean="0"/>
+              <a:t> </a:t>
+            </a:r>
+            <a:r>
+              <a:rPr lang="fi-FI" sz="1600" dirty="0" err="1" smtClean="0"/>
+              <a:t>maps</a:t>
+            </a:r>
+            <a:r>
+              <a:rPr lang="fi-FI" sz="1600" dirty="0" smtClean="0"/>
+              <a:t> and </a:t>
+            </a:r>
+            <a:r>
+              <a:rPr lang="fi-FI" sz="1600" dirty="0" err="1" smtClean="0"/>
+              <a:t>random</a:t>
+            </a:r>
+            <a:r>
+              <a:rPr lang="fi-FI" sz="1600" dirty="0" smtClean="0"/>
+              <a:t> </a:t>
+            </a:r>
+            <a:r>
+              <a:rPr lang="fi-FI" sz="1600" dirty="0" err="1" smtClean="0"/>
+              <a:t>start</a:t>
+            </a:r>
+            <a:r>
+              <a:rPr lang="fi-FI" sz="1600" dirty="0" smtClean="0"/>
+              <a:t> </a:t>
+            </a:r>
+            <a:r>
+              <a:rPr lang="fi-FI" sz="1600" dirty="0" err="1" smtClean="0"/>
+              <a:t>locations</a:t>
+            </a:r>
+            <a:endParaRPr lang="fi-FI" sz="1600" dirty="0" smtClean="0"/>
+          </a:p>
+          <a:p>
+            <a:pPr algn="ctr"/>
+            <a:endParaRPr lang="fi-FI" sz="1600" b="1" dirty="0"/>
+          </a:p>
+          <a:p>
+            <a:pPr marL="285750" indent="-285750" algn="ctr">
+              <a:buFont typeface="Wingdings" panose="05000000000000000000" pitchFamily="2" charset="2"/>
+              <a:buChar char="§"/>
+            </a:pPr>
+            <a:r>
+              <a:rPr lang="fi-FI" sz="2800" b="1" dirty="0" smtClean="0"/>
+              <a:t>The Squad</a:t>
+            </a:r>
+            <a:r>
+              <a:rPr lang="fi-FI" sz="2800" dirty="0" smtClean="0"/>
+              <a:t> (</a:t>
+            </a:r>
+            <a:r>
+              <a:rPr lang="fi-FI" sz="2800" dirty="0" err="1" smtClean="0"/>
+              <a:t>Players</a:t>
+            </a:r>
+            <a:r>
+              <a:rPr lang="fi-FI" sz="2800" dirty="0" smtClean="0"/>
+              <a:t>)</a:t>
+            </a:r>
+          </a:p>
+          <a:p>
+            <a:pPr algn="ctr"/>
+            <a:r>
+              <a:rPr lang="fi-FI" sz="1600" dirty="0" smtClean="0"/>
+              <a:t>Controls and </a:t>
+            </a:r>
+            <a:r>
+              <a:rPr lang="fi-FI" sz="1600" dirty="0" err="1" smtClean="0"/>
+              <a:t>path</a:t>
+            </a:r>
+            <a:r>
+              <a:rPr lang="fi-FI" sz="1600" dirty="0" smtClean="0"/>
+              <a:t> </a:t>
+            </a:r>
+            <a:r>
+              <a:rPr lang="fi-FI" sz="1600" dirty="0" err="1" smtClean="0"/>
+              <a:t>finding</a:t>
+            </a:r>
+            <a:endParaRPr lang="fi-FI" sz="1600" dirty="0" smtClean="0"/>
+          </a:p>
+          <a:p>
+            <a:pPr algn="ctr"/>
+            <a:endParaRPr lang="fi-FI" sz="1600" dirty="0"/>
+          </a:p>
+          <a:p>
+            <a:pPr marL="285750" indent="-285750" algn="ctr">
+              <a:buFont typeface="Wingdings" panose="05000000000000000000" pitchFamily="2" charset="2"/>
+              <a:buChar char="§"/>
+            </a:pPr>
+            <a:r>
+              <a:rPr lang="fi-FI" sz="2800" b="1" dirty="0" smtClean="0"/>
+              <a:t>John </a:t>
+            </a:r>
+            <a:r>
+              <a:rPr lang="fi-FI" sz="2800" b="1" dirty="0" err="1" smtClean="0"/>
+              <a:t>Sistine</a:t>
+            </a:r>
+            <a:r>
+              <a:rPr lang="fi-FI" sz="2800" dirty="0" err="1" smtClean="0"/>
+              <a:t>(Opponent</a:t>
+            </a:r>
+            <a:r>
+              <a:rPr lang="fi-FI" sz="2800" dirty="0" smtClean="0"/>
+              <a:t>)</a:t>
+            </a:r>
+          </a:p>
+          <a:p>
+            <a:pPr algn="ctr"/>
+            <a:r>
+              <a:rPr lang="fi-FI" sz="1600" dirty="0" err="1" smtClean="0"/>
+              <a:t>Most</a:t>
+            </a:r>
+            <a:r>
+              <a:rPr lang="fi-FI" sz="1600" dirty="0" smtClean="0"/>
+              <a:t> </a:t>
+            </a:r>
+            <a:r>
+              <a:rPr lang="fi-FI" sz="1600" dirty="0" err="1" smtClean="0"/>
+              <a:t>complex</a:t>
+            </a:r>
+            <a:r>
+              <a:rPr lang="fi-FI" sz="1600" dirty="0" smtClean="0"/>
+              <a:t> component in the </a:t>
+            </a:r>
+            <a:r>
+              <a:rPr lang="fi-FI" sz="1600" dirty="0" err="1" smtClean="0"/>
+              <a:t>game</a:t>
+            </a:r>
+            <a:endParaRPr lang="fi-FI" sz="1600" dirty="0" smtClean="0"/>
+          </a:p>
+        </p:txBody>
+      </p:sp>
+    </p:spTree>
+    <p:extLst>
+      <p:ext uri="{BB962C8B-B14F-4D97-AF65-F5344CB8AC3E}">
+        <p14:creationId xmlns:p14="http://schemas.microsoft.com/office/powerpoint/2010/main" val="3511220403"/>
+      </p:ext>
+    </p:extLst>
+  </p:cSld>
+  <p:clrMapOvr>
+    <a:masterClrMapping/>
+  </p:clrMapOvr>
+</p:sld>
+</file>
+
+<file path=ppt/slides/slide5.xml><?xml version="1.0" encoding="utf-8"?>
+<p:sld xmlns:a="http://schemas.openxmlformats.org/drawingml/2006/main" xmlns:r="http://schemas.openxmlformats.org/officeDocument/2006/relationships" xmlns:p="http://schemas.openxmlformats.org/presentationml/2006/main">
+  <p:cSld>
+    <p:spTree>
+      <p:nvGrpSpPr>
+        <p:cNvPr id="1" name=""/>
+        <p:cNvGrpSpPr/>
+        <p:nvPr/>
+      </p:nvGrpSpPr>
+      <p:grpSpPr>
+        <a:xfrm>
+          <a:off x="0" y="0"/>
+          <a:ext cx="0" cy="0"/>
+          <a:chOff x="0" y="0"/>
+          <a:chExt cx="0" cy="0"/>
+        </a:xfrm>
+      </p:grpSpPr>
+      <p:sp>
+        <p:nvSpPr>
+          <p:cNvPr id="2" name="Tekstiruutu 1"/>
+          <p:cNvSpPr txBox="1"/>
+          <p:nvPr/>
+        </p:nvSpPr>
+        <p:spPr>
+          <a:xfrm>
+            <a:off x="2555776" y="764704"/>
+            <a:ext cx="4281237" cy="830997"/>
+          </a:xfrm>
+          <a:prstGeom prst="rect">
+            <a:avLst/>
+          </a:prstGeom>
+          <a:noFill/>
+        </p:spPr>
+        <p:txBody>
+          <a:bodyPr wrap="none" rtlCol="0">
+            <a:spAutoFit/>
+          </a:bodyPr>
+          <a:lstStyle/>
+          <a:p>
+            <a:r>
+              <a:rPr lang="fi-FI" sz="4800" dirty="0" err="1" smtClean="0"/>
+              <a:t>Map</a:t>
+            </a:r>
+            <a:r>
+              <a:rPr lang="fi-FI" sz="4800" dirty="0" smtClean="0"/>
+              <a:t> </a:t>
+            </a:r>
+            <a:r>
+              <a:rPr lang="fi-FI" sz="4800" dirty="0" err="1" smtClean="0"/>
+              <a:t>Generation</a:t>
+            </a:r>
+            <a:endParaRPr lang="fi-FI" sz="4800" dirty="0"/>
+          </a:p>
+        </p:txBody>
+      </p:sp>
+      <p:sp>
+        <p:nvSpPr>
+          <p:cNvPr id="3" name="Tekstiruutu 2"/>
+          <p:cNvSpPr txBox="1"/>
+          <p:nvPr/>
+        </p:nvSpPr>
+        <p:spPr>
+          <a:xfrm>
+            <a:off x="774859" y="2060848"/>
+            <a:ext cx="7416824" cy="4524315"/>
+          </a:xfrm>
+          <a:prstGeom prst="rect">
+            <a:avLst/>
+          </a:prstGeom>
+          <a:noFill/>
+        </p:spPr>
+        <p:txBody>
+          <a:bodyPr wrap="square" rtlCol="0">
+            <a:spAutoFit/>
+          </a:bodyPr>
+          <a:lstStyle/>
+          <a:p>
+            <a:pPr marL="285750" indent="-285750">
+              <a:buFont typeface="Wingdings" panose="05000000000000000000" pitchFamily="2" charset="2"/>
+              <a:buChar char="§"/>
+            </a:pPr>
+            <a:r>
+              <a:rPr lang="fi-FI" dirty="0" err="1" smtClean="0"/>
+              <a:t>Everything</a:t>
+            </a:r>
+            <a:r>
+              <a:rPr lang="fi-FI" dirty="0" smtClean="0"/>
+              <a:t> is </a:t>
+            </a:r>
+            <a:r>
+              <a:rPr lang="fi-FI" dirty="0" err="1" smtClean="0"/>
+              <a:t>generated</a:t>
+            </a:r>
+            <a:r>
+              <a:rPr lang="fi-FI" dirty="0" smtClean="0"/>
+              <a:t>: </a:t>
+            </a:r>
+            <a:r>
+              <a:rPr lang="fi-FI" dirty="0" err="1" smtClean="0"/>
+              <a:t>first</a:t>
+            </a:r>
+            <a:r>
+              <a:rPr lang="fi-FI" dirty="0" smtClean="0"/>
+              <a:t> the </a:t>
+            </a:r>
+            <a:r>
+              <a:rPr lang="fi-FI" dirty="0" err="1" smtClean="0"/>
+              <a:t>basic</a:t>
+            </a:r>
+            <a:r>
+              <a:rPr lang="fi-FI" dirty="0" smtClean="0"/>
+              <a:t> ”</a:t>
+            </a:r>
+            <a:r>
+              <a:rPr lang="fi-FI" dirty="0" err="1" smtClean="0"/>
+              <a:t>board</a:t>
+            </a:r>
+            <a:r>
+              <a:rPr lang="fi-FI" dirty="0" smtClean="0"/>
+              <a:t>” is </a:t>
+            </a:r>
+            <a:r>
+              <a:rPr lang="fi-FI" dirty="0" err="1" smtClean="0"/>
+              <a:t>created</a:t>
+            </a:r>
+            <a:r>
+              <a:rPr lang="fi-FI" dirty="0" smtClean="0"/>
+              <a:t>, </a:t>
+            </a:r>
+            <a:r>
+              <a:rPr lang="fi-FI" dirty="0" err="1" smtClean="0"/>
+              <a:t>then</a:t>
+            </a:r>
+            <a:r>
+              <a:rPr lang="fi-FI" dirty="0" smtClean="0"/>
+              <a:t> the </a:t>
+            </a:r>
+            <a:r>
+              <a:rPr lang="fi-FI" dirty="0" err="1" smtClean="0"/>
+              <a:t>walls</a:t>
+            </a:r>
+            <a:r>
+              <a:rPr lang="fi-FI" dirty="0" smtClean="0"/>
+              <a:t>, </a:t>
+            </a:r>
+            <a:r>
+              <a:rPr lang="fi-FI" dirty="0" err="1" smtClean="0"/>
+              <a:t>then</a:t>
+            </a:r>
+            <a:r>
+              <a:rPr lang="fi-FI" dirty="0" smtClean="0"/>
+              <a:t> </a:t>
+            </a:r>
+            <a:r>
+              <a:rPr lang="fi-FI" dirty="0" err="1" smtClean="0"/>
+              <a:t>players</a:t>
+            </a:r>
+            <a:r>
+              <a:rPr lang="fi-FI" dirty="0" smtClean="0"/>
+              <a:t>, with the </a:t>
+            </a:r>
+            <a:r>
+              <a:rPr lang="fi-FI" dirty="0" err="1" smtClean="0"/>
+              <a:t>opponent</a:t>
+            </a:r>
+            <a:r>
+              <a:rPr lang="fi-FI" dirty="0" smtClean="0"/>
+              <a:t> </a:t>
+            </a:r>
+            <a:r>
+              <a:rPr lang="fi-FI" dirty="0" err="1" smtClean="0"/>
+              <a:t>being</a:t>
+            </a:r>
+            <a:r>
+              <a:rPr lang="fi-FI" dirty="0" smtClean="0"/>
+              <a:t> the </a:t>
+            </a:r>
+            <a:r>
+              <a:rPr lang="fi-FI" dirty="0" err="1" smtClean="0"/>
+              <a:t>first</a:t>
+            </a:r>
+            <a:r>
+              <a:rPr lang="fi-FI" dirty="0" smtClean="0"/>
+              <a:t> to </a:t>
+            </a:r>
+            <a:r>
+              <a:rPr lang="fi-FI" dirty="0" err="1" smtClean="0"/>
+              <a:t>be</a:t>
+            </a:r>
+            <a:r>
+              <a:rPr lang="fi-FI" dirty="0" smtClean="0"/>
+              <a:t> </a:t>
+            </a:r>
+            <a:r>
+              <a:rPr lang="fi-FI" dirty="0" err="1" smtClean="0"/>
+              <a:t>created</a:t>
+            </a:r>
+            <a:r>
+              <a:rPr lang="fi-FI" dirty="0" smtClean="0"/>
+              <a:t>.</a:t>
+            </a:r>
+          </a:p>
+          <a:p>
+            <a:pPr marL="285750" indent="-285750">
+              <a:buFont typeface="Wingdings" panose="05000000000000000000" pitchFamily="2" charset="2"/>
+              <a:buChar char="§"/>
+            </a:pPr>
+            <a:endParaRPr lang="fi-FI" dirty="0"/>
+          </a:p>
+          <a:p>
+            <a:pPr marL="285750" indent="-285750">
+              <a:buFont typeface="Wingdings" panose="05000000000000000000" pitchFamily="2" charset="2"/>
+              <a:buChar char="§"/>
+            </a:pPr>
+            <a:r>
+              <a:rPr lang="fi-FI" dirty="0" smtClean="0"/>
+              <a:t>As the </a:t>
+            </a:r>
+            <a:r>
+              <a:rPr lang="fi-FI" dirty="0" err="1" smtClean="0"/>
+              <a:t>board</a:t>
+            </a:r>
+            <a:r>
+              <a:rPr lang="fi-FI" dirty="0" smtClean="0"/>
+              <a:t> </a:t>
+            </a:r>
+            <a:r>
+              <a:rPr lang="fi-FI" dirty="0" err="1" smtClean="0"/>
+              <a:t>consists</a:t>
+            </a:r>
+            <a:r>
+              <a:rPr lang="fi-FI" dirty="0" smtClean="0"/>
+              <a:t> of </a:t>
+            </a:r>
+            <a:r>
+              <a:rPr lang="fi-FI" dirty="0" err="1" smtClean="0"/>
+              <a:t>cubes</a:t>
+            </a:r>
+            <a:r>
+              <a:rPr lang="fi-FI" dirty="0" smtClean="0"/>
+              <a:t>, </a:t>
+            </a:r>
+            <a:r>
+              <a:rPr lang="fi-FI" dirty="0" err="1" smtClean="0"/>
+              <a:t>that</a:t>
+            </a:r>
+            <a:r>
+              <a:rPr lang="fi-FI" dirty="0" smtClean="0"/>
+              <a:t> </a:t>
+            </a:r>
+            <a:r>
+              <a:rPr lang="fi-FI" dirty="0" err="1" smtClean="0"/>
+              <a:t>mark</a:t>
+            </a:r>
+            <a:r>
+              <a:rPr lang="fi-FI" dirty="0" smtClean="0"/>
+              <a:t> </a:t>
+            </a:r>
+            <a:r>
+              <a:rPr lang="fi-FI" dirty="0" err="1" smtClean="0"/>
+              <a:t>spaces</a:t>
+            </a:r>
+            <a:r>
+              <a:rPr lang="fi-FI" dirty="0" smtClean="0"/>
+              <a:t> for </a:t>
+            </a:r>
+            <a:r>
+              <a:rPr lang="fi-FI" dirty="0" err="1" smtClean="0"/>
+              <a:t>players</a:t>
+            </a:r>
+            <a:r>
+              <a:rPr lang="fi-FI" dirty="0" smtClean="0"/>
+              <a:t> to </a:t>
+            </a:r>
+            <a:r>
+              <a:rPr lang="fi-FI" dirty="0" err="1" smtClean="0"/>
+              <a:t>move</a:t>
+            </a:r>
+            <a:r>
+              <a:rPr lang="fi-FI" dirty="0" smtClean="0"/>
+              <a:t> on, the </a:t>
+            </a:r>
+            <a:r>
+              <a:rPr lang="fi-FI" dirty="0" err="1" smtClean="0"/>
+              <a:t>walls</a:t>
+            </a:r>
+            <a:r>
+              <a:rPr lang="fi-FI" dirty="0" smtClean="0"/>
+              <a:t> </a:t>
+            </a:r>
+            <a:r>
+              <a:rPr lang="fi-FI" dirty="0" err="1" smtClean="0"/>
+              <a:t>are</a:t>
+            </a:r>
+            <a:r>
+              <a:rPr lang="fi-FI" dirty="0" smtClean="0"/>
+              <a:t> </a:t>
+            </a:r>
+            <a:r>
+              <a:rPr lang="fi-FI" dirty="0" err="1" smtClean="0"/>
+              <a:t>created</a:t>
+            </a:r>
+            <a:r>
+              <a:rPr lang="fi-FI" dirty="0" smtClean="0"/>
+              <a:t> ”</a:t>
+            </a:r>
+            <a:r>
+              <a:rPr lang="fi-FI" i="1" u="sng" dirty="0" smtClean="0"/>
+              <a:t>in </a:t>
+            </a:r>
+            <a:r>
+              <a:rPr lang="fi-FI" i="1" u="sng" dirty="0" err="1" smtClean="0"/>
+              <a:t>between</a:t>
+            </a:r>
+            <a:r>
+              <a:rPr lang="fi-FI" dirty="0" smtClean="0"/>
+              <a:t>” </a:t>
+            </a:r>
+            <a:r>
+              <a:rPr lang="fi-FI" dirty="0" err="1" smtClean="0"/>
+              <a:t>those</a:t>
+            </a:r>
+            <a:r>
+              <a:rPr lang="fi-FI" dirty="0" smtClean="0"/>
+              <a:t> </a:t>
+            </a:r>
+            <a:r>
+              <a:rPr lang="fi-FI" dirty="0" err="1" smtClean="0"/>
+              <a:t>spaces</a:t>
+            </a:r>
+            <a:r>
+              <a:rPr lang="fi-FI" dirty="0" smtClean="0"/>
+              <a:t> (27 </a:t>
+            </a:r>
+            <a:r>
+              <a:rPr lang="fi-FI" dirty="0" err="1" smtClean="0"/>
+              <a:t>horizontal</a:t>
+            </a:r>
+            <a:r>
+              <a:rPr lang="fi-FI" dirty="0" smtClean="0"/>
+              <a:t> &amp; 27 </a:t>
+            </a:r>
+            <a:r>
+              <a:rPr lang="fi-FI" dirty="0" err="1" smtClean="0"/>
+              <a:t>vertical</a:t>
+            </a:r>
+            <a:r>
+              <a:rPr lang="fi-FI" dirty="0" smtClean="0"/>
+              <a:t>)</a:t>
+            </a:r>
+          </a:p>
+          <a:p>
+            <a:pPr marL="285750" indent="-285750">
+              <a:buFont typeface="Wingdings" panose="05000000000000000000" pitchFamily="2" charset="2"/>
+              <a:buChar char="§"/>
+            </a:pPr>
+            <a:endParaRPr lang="fi-FI" dirty="0"/>
+          </a:p>
+          <a:p>
+            <a:pPr marL="285750" indent="-285750">
+              <a:buFont typeface="Wingdings" panose="05000000000000000000" pitchFamily="2" charset="2"/>
+              <a:buChar char="§"/>
+            </a:pPr>
+            <a:r>
+              <a:rPr lang="fi-FI" dirty="0" smtClean="0"/>
+              <a:t>As the </a:t>
+            </a:r>
+            <a:r>
+              <a:rPr lang="fi-FI" dirty="0" err="1" smtClean="0"/>
+              <a:t>walls</a:t>
+            </a:r>
+            <a:r>
+              <a:rPr lang="fi-FI" dirty="0" smtClean="0"/>
+              <a:t> </a:t>
+            </a:r>
+            <a:r>
+              <a:rPr lang="fi-FI" dirty="0" err="1" smtClean="0"/>
+              <a:t>are</a:t>
+            </a:r>
+            <a:r>
+              <a:rPr lang="fi-FI" dirty="0" smtClean="0"/>
+              <a:t> </a:t>
+            </a:r>
+            <a:r>
+              <a:rPr lang="fi-FI" dirty="0" err="1" smtClean="0"/>
+              <a:t>created</a:t>
+            </a:r>
+            <a:r>
+              <a:rPr lang="fi-FI" dirty="0" smtClean="0"/>
+              <a:t>, </a:t>
+            </a:r>
+            <a:r>
+              <a:rPr lang="fi-FI" dirty="0" err="1" smtClean="0"/>
+              <a:t>it’s</a:t>
+            </a:r>
+            <a:r>
+              <a:rPr lang="fi-FI" dirty="0" smtClean="0"/>
+              <a:t> </a:t>
+            </a:r>
+            <a:r>
+              <a:rPr lang="fi-FI" dirty="0" err="1" smtClean="0"/>
+              <a:t>also</a:t>
+            </a:r>
+            <a:r>
+              <a:rPr lang="fi-FI" dirty="0" smtClean="0"/>
+              <a:t> </a:t>
+            </a:r>
+            <a:r>
+              <a:rPr lang="fi-FI" dirty="0" err="1" smtClean="0"/>
+              <a:t>checked</a:t>
+            </a:r>
+            <a:r>
+              <a:rPr lang="fi-FI" dirty="0" smtClean="0"/>
+              <a:t> </a:t>
+            </a:r>
+            <a:r>
+              <a:rPr lang="fi-FI" dirty="0" err="1" smtClean="0"/>
+              <a:t>none</a:t>
+            </a:r>
+            <a:r>
+              <a:rPr lang="fi-FI" dirty="0" smtClean="0"/>
+              <a:t> of </a:t>
+            </a:r>
+            <a:r>
+              <a:rPr lang="fi-FI" dirty="0" err="1" smtClean="0"/>
+              <a:t>them</a:t>
+            </a:r>
+            <a:r>
+              <a:rPr lang="fi-FI" dirty="0" smtClean="0"/>
+              <a:t> </a:t>
+            </a:r>
+            <a:r>
+              <a:rPr lang="fi-FI" dirty="0" err="1" smtClean="0"/>
+              <a:t>overlap</a:t>
+            </a:r>
+            <a:endParaRPr lang="fi-FI" dirty="0"/>
+          </a:p>
+          <a:p>
+            <a:pPr marL="285750" indent="-285750">
+              <a:buFont typeface="Wingdings" panose="05000000000000000000" pitchFamily="2" charset="2"/>
+              <a:buChar char="§"/>
+            </a:pPr>
+            <a:endParaRPr lang="fi-FI" dirty="0" smtClean="0"/>
+          </a:p>
+          <a:p>
+            <a:pPr marL="285750" indent="-285750">
+              <a:buFont typeface="Wingdings" panose="05000000000000000000" pitchFamily="2" charset="2"/>
+              <a:buChar char="§"/>
+            </a:pPr>
+            <a:r>
+              <a:rPr lang="fi-FI" dirty="0" smtClean="0"/>
+              <a:t>The </a:t>
+            </a:r>
+            <a:r>
+              <a:rPr lang="fi-FI" dirty="0" err="1" smtClean="0"/>
+              <a:t>opponent</a:t>
+            </a:r>
+            <a:r>
+              <a:rPr lang="fi-FI" dirty="0" smtClean="0"/>
+              <a:t> is the </a:t>
+            </a:r>
+            <a:r>
+              <a:rPr lang="fi-FI" dirty="0" err="1" smtClean="0"/>
+              <a:t>first</a:t>
+            </a:r>
+            <a:r>
+              <a:rPr lang="fi-FI" dirty="0" smtClean="0"/>
+              <a:t> </a:t>
+            </a:r>
+            <a:r>
+              <a:rPr lang="fi-FI" dirty="0" err="1" smtClean="0"/>
+              <a:t>player</a:t>
+            </a:r>
+            <a:r>
+              <a:rPr lang="fi-FI" dirty="0" smtClean="0"/>
+              <a:t> to </a:t>
+            </a:r>
+            <a:r>
+              <a:rPr lang="fi-FI" dirty="0" err="1" smtClean="0"/>
+              <a:t>be</a:t>
+            </a:r>
+            <a:r>
+              <a:rPr lang="fi-FI" dirty="0" smtClean="0"/>
+              <a:t> </a:t>
+            </a:r>
+            <a:r>
+              <a:rPr lang="fi-FI" dirty="0" err="1" smtClean="0"/>
+              <a:t>created</a:t>
+            </a:r>
+            <a:r>
+              <a:rPr lang="fi-FI" dirty="0" smtClean="0"/>
+              <a:t> with a </a:t>
+            </a:r>
+            <a:r>
+              <a:rPr lang="fi-FI" dirty="0" err="1" smtClean="0"/>
+              <a:t>random</a:t>
+            </a:r>
+            <a:r>
+              <a:rPr lang="fi-FI" dirty="0" smtClean="0"/>
+              <a:t> </a:t>
+            </a:r>
+            <a:r>
+              <a:rPr lang="fi-FI" dirty="0" err="1" smtClean="0"/>
+              <a:t>location</a:t>
+            </a:r>
+            <a:r>
+              <a:rPr lang="fi-FI" dirty="0" smtClean="0"/>
+              <a:t> and </a:t>
+            </a:r>
+            <a:r>
+              <a:rPr lang="fi-FI" dirty="0" err="1" smtClean="0"/>
+              <a:t>then</a:t>
+            </a:r>
+            <a:r>
+              <a:rPr lang="fi-FI" dirty="0" smtClean="0"/>
+              <a:t> the </a:t>
+            </a:r>
+            <a:r>
+              <a:rPr lang="fi-FI" dirty="0" err="1" smtClean="0"/>
+              <a:t>squad</a:t>
+            </a:r>
+            <a:r>
+              <a:rPr lang="fi-FI" dirty="0" smtClean="0"/>
+              <a:t> </a:t>
+            </a:r>
+            <a:r>
+              <a:rPr lang="fi-FI" dirty="0" err="1" smtClean="0"/>
+              <a:t>one</a:t>
+            </a:r>
+            <a:r>
+              <a:rPr lang="fi-FI" dirty="0" smtClean="0"/>
+              <a:t> </a:t>
+            </a:r>
+            <a:r>
+              <a:rPr lang="fi-FI" dirty="0" err="1" smtClean="0"/>
+              <a:t>by</a:t>
+            </a:r>
+            <a:r>
+              <a:rPr lang="fi-FI" dirty="0" smtClean="0"/>
+              <a:t> </a:t>
+            </a:r>
+            <a:r>
+              <a:rPr lang="fi-FI" dirty="0" err="1" smtClean="0"/>
+              <a:t>one</a:t>
+            </a:r>
+            <a:r>
+              <a:rPr lang="fi-FI" dirty="0" smtClean="0"/>
+              <a:t>, </a:t>
+            </a:r>
+            <a:r>
+              <a:rPr lang="fi-FI" dirty="0" err="1" smtClean="0"/>
+              <a:t>always</a:t>
+            </a:r>
+            <a:r>
+              <a:rPr lang="fi-FI" dirty="0" smtClean="0"/>
+              <a:t> </a:t>
+            </a:r>
+            <a:r>
+              <a:rPr lang="fi-FI" dirty="0" err="1" smtClean="0"/>
+              <a:t>checking</a:t>
+            </a:r>
+            <a:r>
+              <a:rPr lang="fi-FI" dirty="0" smtClean="0"/>
+              <a:t> </a:t>
+            </a:r>
+            <a:r>
+              <a:rPr lang="fi-FI" dirty="0" err="1" smtClean="0"/>
+              <a:t>that</a:t>
+            </a:r>
+            <a:r>
+              <a:rPr lang="fi-FI" dirty="0" smtClean="0"/>
+              <a:t> </a:t>
+            </a:r>
+            <a:r>
+              <a:rPr lang="fi-FI" dirty="0" err="1" smtClean="0"/>
+              <a:t>neither</a:t>
+            </a:r>
+            <a:r>
+              <a:rPr lang="fi-FI" dirty="0" smtClean="0"/>
+              <a:t> </a:t>
+            </a:r>
+            <a:r>
+              <a:rPr lang="fi-FI" dirty="0" err="1" smtClean="0"/>
+              <a:t>opponent</a:t>
+            </a:r>
+            <a:r>
+              <a:rPr lang="fi-FI" dirty="0" smtClean="0"/>
+              <a:t> </a:t>
+            </a:r>
+            <a:r>
+              <a:rPr lang="fi-FI" dirty="0" err="1" smtClean="0"/>
+              <a:t>or</a:t>
+            </a:r>
+            <a:r>
+              <a:rPr lang="fi-FI" dirty="0" smtClean="0"/>
+              <a:t> </a:t>
+            </a:r>
+            <a:r>
+              <a:rPr lang="fi-FI" dirty="0" err="1" smtClean="0"/>
+              <a:t>any</a:t>
+            </a:r>
+            <a:r>
+              <a:rPr lang="fi-FI" dirty="0" smtClean="0"/>
+              <a:t> </a:t>
+            </a:r>
+            <a:r>
+              <a:rPr lang="fi-FI" dirty="0" err="1" smtClean="0"/>
+              <a:t>member</a:t>
+            </a:r>
+            <a:r>
+              <a:rPr lang="fi-FI" dirty="0" smtClean="0"/>
+              <a:t> of the </a:t>
+            </a:r>
+            <a:r>
+              <a:rPr lang="fi-FI" dirty="0" err="1" smtClean="0"/>
+              <a:t>squad</a:t>
+            </a:r>
+            <a:r>
+              <a:rPr lang="fi-FI" dirty="0" smtClean="0"/>
+              <a:t> </a:t>
+            </a:r>
+            <a:r>
+              <a:rPr lang="fi-FI" dirty="0" err="1" smtClean="0"/>
+              <a:t>overlap</a:t>
+            </a:r>
+            <a:r>
+              <a:rPr lang="fi-FI" dirty="0" smtClean="0"/>
+              <a:t> with </a:t>
+            </a:r>
+            <a:r>
+              <a:rPr lang="fi-FI" dirty="0" err="1" smtClean="0"/>
+              <a:t>one</a:t>
+            </a:r>
+            <a:r>
+              <a:rPr lang="fi-FI" dirty="0" smtClean="0"/>
+              <a:t> </a:t>
+            </a:r>
+            <a:r>
+              <a:rPr lang="fi-FI" dirty="0" err="1" smtClean="0"/>
+              <a:t>another</a:t>
+            </a:r>
+            <a:endParaRPr lang="fi-FI" dirty="0" smtClean="0"/>
+          </a:p>
+          <a:p>
+            <a:pPr marL="285750" indent="-285750">
+              <a:buFont typeface="Wingdings" panose="05000000000000000000" pitchFamily="2" charset="2"/>
+              <a:buChar char="§"/>
+            </a:pPr>
+            <a:endParaRPr lang="fi-FI" dirty="0"/>
+          </a:p>
+          <a:p>
+            <a:pPr marL="285750" indent="-285750">
+              <a:buFont typeface="Wingdings" panose="05000000000000000000" pitchFamily="2" charset="2"/>
+              <a:buChar char="§"/>
+            </a:pPr>
+            <a:endParaRPr lang="fi-FI" dirty="0" smtClean="0"/>
+          </a:p>
+          <a:p>
+            <a:pPr marL="285750" indent="-285750">
+              <a:buFont typeface="Wingdings" panose="05000000000000000000" pitchFamily="2" charset="2"/>
+              <a:buChar char="§"/>
+            </a:pPr>
+            <a:endParaRPr lang="fi-FI" dirty="0"/>
+          </a:p>
+          <a:p>
+            <a:pPr marL="285750" indent="-285750">
+              <a:buFont typeface="Wingdings" panose="05000000000000000000" pitchFamily="2" charset="2"/>
+              <a:buChar char="§"/>
+            </a:pPr>
+            <a:endParaRPr lang="fi-FI" dirty="0"/>
+          </a:p>
+        </p:txBody>
+      </p:sp>
+    </p:spTree>
+    <p:extLst>
+      <p:ext uri="{BB962C8B-B14F-4D97-AF65-F5344CB8AC3E}">
+        <p14:creationId xmlns:p14="http://schemas.microsoft.com/office/powerpoint/2010/main" val="227544342"/>
+      </p:ext>
+    </p:extLst>
+  </p:cSld>
+  <p:clrMapOvr>
+    <a:masterClrMapping/>
+  </p:clrMapOvr>
+</p:sld>
+</file>
+
+<file path=ppt/slides/slide6.xml><?xml version="1.0" encoding="utf-8"?>
+<p:sld xmlns:a="http://schemas.openxmlformats.org/drawingml/2006/main" xmlns:r="http://schemas.openxmlformats.org/officeDocument/2006/relationships" xmlns:p="http://schemas.openxmlformats.org/presentationml/2006/main">
+  <p:cSld>
+    <p:spTree>
+      <p:nvGrpSpPr>
+        <p:cNvPr id="1" name=""/>
+        <p:cNvGrpSpPr/>
+        <p:nvPr/>
+      </p:nvGrpSpPr>
+      <p:grpSpPr>
+        <a:xfrm>
+          <a:off x="0" y="0"/>
+          <a:ext cx="0" cy="0"/>
+          <a:chOff x="0" y="0"/>
+          <a:chExt cx="0" cy="0"/>
+        </a:xfrm>
+      </p:grpSpPr>
+      <p:sp>
+        <p:nvSpPr>
+          <p:cNvPr id="2" name="Tekstiruutu 1"/>
+          <p:cNvSpPr txBox="1"/>
+          <p:nvPr/>
+        </p:nvSpPr>
+        <p:spPr>
+          <a:xfrm>
+            <a:off x="3167163" y="764704"/>
+            <a:ext cx="2802370" cy="830997"/>
+          </a:xfrm>
+          <a:prstGeom prst="rect">
+            <a:avLst/>
+          </a:prstGeom>
+          <a:noFill/>
+        </p:spPr>
+        <p:txBody>
+          <a:bodyPr wrap="none" rtlCol="0">
+            <a:spAutoFit/>
+          </a:bodyPr>
+          <a:lstStyle/>
+          <a:p>
+            <a:pPr algn="ctr"/>
+            <a:r>
+              <a:rPr lang="fi-FI" sz="4800" dirty="0" smtClean="0"/>
+              <a:t>The Squad</a:t>
+            </a:r>
+            <a:endParaRPr lang="fi-FI" sz="4800" dirty="0"/>
+          </a:p>
+        </p:txBody>
+      </p:sp>
+      <p:sp>
+        <p:nvSpPr>
+          <p:cNvPr id="3" name="Tekstiruutu 2"/>
+          <p:cNvSpPr txBox="1"/>
+          <p:nvPr/>
+        </p:nvSpPr>
+        <p:spPr>
+          <a:xfrm>
+            <a:off x="774859" y="2060848"/>
+            <a:ext cx="7416824" cy="2031325"/>
+          </a:xfrm>
+          <a:prstGeom prst="rect">
+            <a:avLst/>
+          </a:prstGeom>
+          <a:noFill/>
+        </p:spPr>
+        <p:txBody>
+          <a:bodyPr wrap="square" rtlCol="0">
+            <a:spAutoFit/>
+          </a:bodyPr>
+          <a:lstStyle/>
+          <a:p>
+            <a:pPr marL="285750" indent="-285750">
+              <a:buFont typeface="Wingdings" panose="05000000000000000000" pitchFamily="2" charset="2"/>
+              <a:buChar char="§"/>
+            </a:pPr>
+            <a:r>
+              <a:rPr lang="fi-FI" dirty="0" smtClean="0"/>
+              <a:t>The </a:t>
+            </a:r>
+            <a:r>
+              <a:rPr lang="fi-FI" dirty="0" err="1" smtClean="0"/>
+              <a:t>squad</a:t>
+            </a:r>
+            <a:r>
+              <a:rPr lang="fi-FI" dirty="0" smtClean="0"/>
+              <a:t> is </a:t>
+            </a:r>
+            <a:r>
+              <a:rPr lang="fi-FI" dirty="0" err="1" smtClean="0"/>
+              <a:t>probably</a:t>
+            </a:r>
+            <a:r>
+              <a:rPr lang="fi-FI" dirty="0" smtClean="0"/>
+              <a:t> the </a:t>
+            </a:r>
+            <a:r>
+              <a:rPr lang="fi-FI" dirty="0" err="1" smtClean="0"/>
+              <a:t>simplest</a:t>
+            </a:r>
+            <a:r>
+              <a:rPr lang="fi-FI" dirty="0" smtClean="0"/>
+              <a:t> of </a:t>
+            </a:r>
+            <a:r>
+              <a:rPr lang="fi-FI" dirty="0" err="1" smtClean="0"/>
+              <a:t>game</a:t>
+            </a:r>
+            <a:r>
+              <a:rPr lang="fi-FI" dirty="0" smtClean="0"/>
+              <a:t> </a:t>
+            </a:r>
+            <a:r>
+              <a:rPr lang="fi-FI" dirty="0" err="1" smtClean="0"/>
+              <a:t>components</a:t>
+            </a:r>
+            <a:r>
+              <a:rPr lang="fi-FI" dirty="0" smtClean="0"/>
+              <a:t> </a:t>
+            </a:r>
+            <a:r>
+              <a:rPr lang="fi-FI" dirty="0" err="1" smtClean="0"/>
+              <a:t>involved</a:t>
+            </a:r>
+            <a:endParaRPr lang="fi-FI" dirty="0" smtClean="0"/>
+          </a:p>
+          <a:p>
+            <a:pPr marL="285750" indent="-285750">
+              <a:buFont typeface="Wingdings" panose="05000000000000000000" pitchFamily="2" charset="2"/>
+              <a:buChar char="§"/>
+            </a:pPr>
+            <a:endParaRPr lang="fi-FI" dirty="0"/>
+          </a:p>
+          <a:p>
+            <a:pPr marL="285750" indent="-285750">
+              <a:buFont typeface="Wingdings" panose="05000000000000000000" pitchFamily="2" charset="2"/>
+              <a:buChar char="§"/>
+            </a:pPr>
+            <a:r>
+              <a:rPr lang="fi-FI" dirty="0" err="1" smtClean="0"/>
+              <a:t>Every</a:t>
+            </a:r>
+            <a:r>
+              <a:rPr lang="fi-FI" dirty="0" smtClean="0"/>
+              <a:t> </a:t>
+            </a:r>
+            <a:r>
+              <a:rPr lang="fi-FI" dirty="0" err="1" smtClean="0"/>
+              <a:t>member</a:t>
+            </a:r>
+            <a:r>
+              <a:rPr lang="fi-FI" dirty="0" smtClean="0"/>
+              <a:t> of the </a:t>
+            </a:r>
+            <a:r>
+              <a:rPr lang="fi-FI" dirty="0" err="1" smtClean="0"/>
+              <a:t>s</a:t>
+            </a:r>
+            <a:r>
+              <a:rPr lang="fi-FI" dirty="0" err="1" smtClean="0"/>
+              <a:t>quad</a:t>
+            </a:r>
+            <a:r>
+              <a:rPr lang="fi-FI" dirty="0" smtClean="0"/>
+              <a:t> </a:t>
+            </a:r>
+            <a:r>
+              <a:rPr lang="fi-FI" dirty="0" err="1" smtClean="0"/>
+              <a:t>knows</a:t>
+            </a:r>
+            <a:r>
+              <a:rPr lang="fi-FI" dirty="0" smtClean="0"/>
+              <a:t> the </a:t>
+            </a:r>
+            <a:r>
+              <a:rPr lang="fi-FI" dirty="0" err="1" smtClean="0"/>
+              <a:t>whereabouts</a:t>
+            </a:r>
+            <a:r>
+              <a:rPr lang="fi-FI" dirty="0" smtClean="0"/>
+              <a:t> of </a:t>
+            </a:r>
+            <a:r>
+              <a:rPr lang="fi-FI" dirty="0" err="1" smtClean="0"/>
+              <a:t>every</a:t>
+            </a:r>
+            <a:r>
+              <a:rPr lang="fi-FI" dirty="0" smtClean="0"/>
+              <a:t> </a:t>
+            </a:r>
+            <a:r>
+              <a:rPr lang="fi-FI" dirty="0" err="1" smtClean="0"/>
+              <a:t>wall</a:t>
+            </a:r>
+            <a:r>
+              <a:rPr lang="fi-FI" dirty="0" smtClean="0"/>
+              <a:t> and </a:t>
+            </a:r>
+            <a:r>
+              <a:rPr lang="fi-FI" dirty="0" err="1" smtClean="0"/>
+              <a:t>every</a:t>
+            </a:r>
+            <a:r>
+              <a:rPr lang="fi-FI" dirty="0" smtClean="0"/>
+              <a:t> </a:t>
+            </a:r>
+            <a:r>
+              <a:rPr lang="fi-FI" dirty="0" err="1" smtClean="0"/>
+              <a:t>other</a:t>
+            </a:r>
+            <a:r>
+              <a:rPr lang="fi-FI" dirty="0" smtClean="0"/>
+              <a:t> </a:t>
+            </a:r>
+            <a:r>
+              <a:rPr lang="fi-FI" dirty="0" err="1" smtClean="0"/>
+              <a:t>player</a:t>
+            </a:r>
+            <a:r>
+              <a:rPr lang="fi-FI" dirty="0" smtClean="0"/>
+              <a:t> on the </a:t>
+            </a:r>
+            <a:r>
+              <a:rPr lang="fi-FI" dirty="0" err="1" smtClean="0"/>
+              <a:t>board</a:t>
+            </a:r>
+            <a:endParaRPr lang="fi-FI" dirty="0" smtClean="0"/>
+          </a:p>
+          <a:p>
+            <a:pPr marL="285750" indent="-285750">
+              <a:buFont typeface="Wingdings" panose="05000000000000000000" pitchFamily="2" charset="2"/>
+              <a:buChar char="§"/>
+            </a:pPr>
+            <a:endParaRPr lang="fi-FI" dirty="0"/>
+          </a:p>
+          <a:p>
+            <a:pPr marL="285750" indent="-285750">
+              <a:buFont typeface="Wingdings" panose="05000000000000000000" pitchFamily="2" charset="2"/>
+              <a:buChar char="§"/>
+            </a:pPr>
+            <a:r>
+              <a:rPr lang="fi-FI" dirty="0" smtClean="0"/>
+              <a:t>The </a:t>
+            </a:r>
+            <a:r>
+              <a:rPr lang="fi-FI" dirty="0" err="1" smtClean="0"/>
+              <a:t>squad</a:t>
+            </a:r>
+            <a:r>
+              <a:rPr lang="fi-FI" dirty="0" smtClean="0"/>
+              <a:t> </a:t>
+            </a:r>
+            <a:r>
+              <a:rPr lang="fi-FI" dirty="0" err="1" smtClean="0"/>
+              <a:t>members</a:t>
+            </a:r>
+            <a:r>
+              <a:rPr lang="fi-FI" dirty="0" smtClean="0"/>
+              <a:t> </a:t>
+            </a:r>
+            <a:r>
+              <a:rPr lang="fi-FI" dirty="0" err="1" smtClean="0"/>
+              <a:t>also</a:t>
+            </a:r>
+            <a:r>
+              <a:rPr lang="fi-FI" dirty="0" smtClean="0"/>
+              <a:t> </a:t>
+            </a:r>
+            <a:r>
+              <a:rPr lang="fi-FI" dirty="0" err="1" smtClean="0"/>
+              <a:t>have</a:t>
+            </a:r>
+            <a:r>
+              <a:rPr lang="fi-FI" dirty="0" smtClean="0"/>
+              <a:t> a </a:t>
+            </a:r>
+            <a:r>
+              <a:rPr lang="fi-FI" dirty="0" err="1" smtClean="0"/>
+              <a:t>basic</a:t>
+            </a:r>
+            <a:r>
+              <a:rPr lang="fi-FI" dirty="0" smtClean="0"/>
+              <a:t> </a:t>
+            </a:r>
+            <a:r>
+              <a:rPr lang="fi-FI" dirty="0" err="1" smtClean="0"/>
+              <a:t>path</a:t>
+            </a:r>
+            <a:r>
+              <a:rPr lang="fi-FI" dirty="0" smtClean="0"/>
+              <a:t> </a:t>
+            </a:r>
+            <a:r>
+              <a:rPr lang="fi-FI" dirty="0" err="1" smtClean="0"/>
+              <a:t>finding</a:t>
+            </a:r>
+            <a:r>
+              <a:rPr lang="fi-FI" dirty="0" smtClean="0"/>
+              <a:t> </a:t>
+            </a:r>
+            <a:r>
+              <a:rPr lang="fi-FI" dirty="0" err="1" smtClean="0"/>
+              <a:t>algorithm</a:t>
+            </a:r>
+            <a:r>
+              <a:rPr lang="fi-FI" dirty="0"/>
+              <a:t> </a:t>
+            </a:r>
+            <a:r>
+              <a:rPr lang="fi-FI" dirty="0" smtClean="0"/>
+              <a:t>i.e. </a:t>
+            </a:r>
+            <a:r>
+              <a:rPr lang="fi-FI" dirty="0" err="1" smtClean="0"/>
+              <a:t>they</a:t>
+            </a:r>
+            <a:r>
+              <a:rPr lang="fi-FI" dirty="0" smtClean="0"/>
+              <a:t> </a:t>
+            </a:r>
+            <a:r>
+              <a:rPr lang="fi-FI" dirty="0" err="1" smtClean="0"/>
+              <a:t>only</a:t>
+            </a:r>
+            <a:r>
+              <a:rPr lang="fi-FI" dirty="0" smtClean="0"/>
+              <a:t> </a:t>
+            </a:r>
+            <a:r>
+              <a:rPr lang="fi-FI" dirty="0" err="1" smtClean="0"/>
+              <a:t>move</a:t>
+            </a:r>
+            <a:r>
+              <a:rPr lang="fi-FI" dirty="0" smtClean="0"/>
+              <a:t> </a:t>
+            </a:r>
+            <a:r>
+              <a:rPr lang="fi-FI" dirty="0" err="1" smtClean="0"/>
+              <a:t>until</a:t>
+            </a:r>
+            <a:r>
+              <a:rPr lang="fi-FI" dirty="0" smtClean="0"/>
+              <a:t> </a:t>
+            </a:r>
+            <a:r>
+              <a:rPr lang="fi-FI" dirty="0" err="1" smtClean="0"/>
+              <a:t>they</a:t>
+            </a:r>
+            <a:r>
+              <a:rPr lang="fi-FI" dirty="0" smtClean="0"/>
+              <a:t> </a:t>
+            </a:r>
+            <a:r>
+              <a:rPr lang="fi-FI" dirty="0" err="1" smtClean="0"/>
+              <a:t>hit</a:t>
+            </a:r>
+            <a:r>
+              <a:rPr lang="fi-FI" dirty="0" smtClean="0"/>
+              <a:t> </a:t>
+            </a:r>
+            <a:r>
+              <a:rPr lang="fi-FI" dirty="0" err="1" smtClean="0"/>
+              <a:t>either</a:t>
+            </a:r>
+            <a:r>
+              <a:rPr lang="fi-FI" dirty="0" smtClean="0"/>
+              <a:t> a </a:t>
+            </a:r>
+            <a:r>
+              <a:rPr lang="fi-FI" dirty="0" err="1" smtClean="0"/>
+              <a:t>wall</a:t>
+            </a:r>
+            <a:r>
+              <a:rPr lang="fi-FI" dirty="0" smtClean="0"/>
+              <a:t> </a:t>
+            </a:r>
+            <a:r>
+              <a:rPr lang="fi-FI" dirty="0" err="1" smtClean="0"/>
+              <a:t>or</a:t>
+            </a:r>
+            <a:r>
+              <a:rPr lang="fi-FI" dirty="0" smtClean="0"/>
+              <a:t> </a:t>
+            </a:r>
+            <a:r>
+              <a:rPr lang="fi-FI" dirty="0" err="1" smtClean="0"/>
+              <a:t>another</a:t>
+            </a:r>
+            <a:r>
+              <a:rPr lang="fi-FI" dirty="0" smtClean="0"/>
+              <a:t> </a:t>
+            </a:r>
+            <a:r>
+              <a:rPr lang="fi-FI" dirty="0" err="1" smtClean="0"/>
+              <a:t>player</a:t>
+            </a:r>
+            <a:r>
+              <a:rPr lang="fi-FI" dirty="0" smtClean="0"/>
+              <a:t> on the </a:t>
+            </a:r>
+            <a:r>
+              <a:rPr lang="fi-FI" dirty="0" err="1" smtClean="0"/>
+              <a:t>board</a:t>
+            </a:r>
+            <a:endParaRPr lang="fi-FI" dirty="0"/>
+          </a:p>
+        </p:txBody>
+      </p:sp>
+    </p:spTree>
+    <p:extLst>
+      <p:ext uri="{BB962C8B-B14F-4D97-AF65-F5344CB8AC3E}">
+        <p14:creationId xmlns:p14="http://schemas.microsoft.com/office/powerpoint/2010/main" val="16759313"/>
+      </p:ext>
+    </p:extLst>
+  </p:cSld>
+  <p:clrMapOvr>
+    <a:masterClrMapping/>
+  </p:clrMapOvr>
+</p:sld>
+</file>
+
+<file path=ppt/slides/slide7.xml><?xml version="1.0" encoding="utf-8"?>
+<p:sld xmlns:a="http://schemas.openxmlformats.org/drawingml/2006/main" xmlns:r="http://schemas.openxmlformats.org/officeDocument/2006/relationships" xmlns:p="http://schemas.openxmlformats.org/presentationml/2006/main">
+  <p:cSld>
+    <p:spTree>
+      <p:nvGrpSpPr>
+        <p:cNvPr id="1" name=""/>
+        <p:cNvGrpSpPr/>
+        <p:nvPr/>
+      </p:nvGrpSpPr>
+      <p:grpSpPr>
+        <a:xfrm>
+          <a:off x="0" y="0"/>
+          <a:ext cx="0" cy="0"/>
+          <a:chOff x="0" y="0"/>
+          <a:chExt cx="0" cy="0"/>
+        </a:xfrm>
+      </p:grpSpPr>
+      <p:sp>
+        <p:nvSpPr>
+          <p:cNvPr id="2" name="Tekstiruutu 1"/>
+          <p:cNvSpPr txBox="1"/>
+          <p:nvPr/>
+        </p:nvSpPr>
+        <p:spPr>
+          <a:xfrm>
+            <a:off x="3004718" y="764704"/>
+            <a:ext cx="3127267" cy="830997"/>
+          </a:xfrm>
+          <a:prstGeom prst="rect">
+            <a:avLst/>
+          </a:prstGeom>
+          <a:noFill/>
+        </p:spPr>
+        <p:txBody>
+          <a:bodyPr wrap="none" rtlCol="0">
+            <a:spAutoFit/>
+          </a:bodyPr>
+          <a:lstStyle/>
+          <a:p>
+            <a:pPr algn="ctr"/>
+            <a:r>
+              <a:rPr lang="fi-FI" sz="4800" dirty="0" smtClean="0"/>
+              <a:t>John </a:t>
+            </a:r>
+            <a:r>
+              <a:rPr lang="fi-FI" sz="4800" dirty="0" err="1" smtClean="0"/>
+              <a:t>Sistine</a:t>
+            </a:r>
+            <a:endParaRPr lang="fi-FI" sz="4800" dirty="0"/>
+          </a:p>
+        </p:txBody>
+      </p:sp>
+      <p:sp>
+        <p:nvSpPr>
+          <p:cNvPr id="3" name="Tekstiruutu 2"/>
+          <p:cNvSpPr txBox="1"/>
+          <p:nvPr/>
+        </p:nvSpPr>
+        <p:spPr>
+          <a:xfrm>
+            <a:off x="774859" y="2060848"/>
+            <a:ext cx="7416824" cy="2585323"/>
+          </a:xfrm>
+          <a:prstGeom prst="rect">
+            <a:avLst/>
+          </a:prstGeom>
+          <a:noFill/>
+        </p:spPr>
+        <p:txBody>
+          <a:bodyPr wrap="square" rtlCol="0">
+            <a:spAutoFit/>
+          </a:bodyPr>
+          <a:lstStyle/>
+          <a:p>
+            <a:pPr marL="285750" indent="-285750">
+              <a:buFont typeface="Wingdings" panose="05000000000000000000" pitchFamily="2" charset="2"/>
+              <a:buChar char="§"/>
+            </a:pPr>
+            <a:r>
+              <a:rPr lang="fi-FI" dirty="0" smtClean="0"/>
+              <a:t>John </a:t>
+            </a:r>
+            <a:r>
+              <a:rPr lang="fi-FI" dirty="0" err="1" smtClean="0"/>
+              <a:t>Sistine</a:t>
+            </a:r>
+            <a:r>
+              <a:rPr lang="fi-FI" dirty="0" smtClean="0"/>
+              <a:t> (the </a:t>
+            </a:r>
+            <a:r>
+              <a:rPr lang="fi-FI" dirty="0" err="1" smtClean="0"/>
+              <a:t>target/opponent</a:t>
+            </a:r>
+            <a:r>
+              <a:rPr lang="fi-FI" dirty="0" smtClean="0"/>
+              <a:t>) </a:t>
+            </a:r>
+            <a:r>
+              <a:rPr lang="fi-FI" dirty="0" err="1" smtClean="0"/>
+              <a:t>loses</a:t>
+            </a:r>
+            <a:r>
+              <a:rPr lang="fi-FI" dirty="0" smtClean="0"/>
+              <a:t>, </a:t>
+            </a:r>
+            <a:r>
+              <a:rPr lang="fi-FI" dirty="0" err="1" smtClean="0"/>
+              <a:t>when</a:t>
+            </a:r>
+            <a:r>
+              <a:rPr lang="fi-FI" dirty="0" smtClean="0"/>
+              <a:t> he is </a:t>
+            </a:r>
+            <a:r>
+              <a:rPr lang="fi-FI" dirty="0" err="1" smtClean="0"/>
+              <a:t>blocked</a:t>
+            </a:r>
+            <a:r>
+              <a:rPr lang="fi-FI" dirty="0" smtClean="0"/>
+              <a:t> </a:t>
+            </a:r>
+            <a:r>
+              <a:rPr lang="fi-FI" dirty="0" err="1" smtClean="0"/>
+              <a:t>so</a:t>
+            </a:r>
+            <a:r>
+              <a:rPr lang="fi-FI" dirty="0" smtClean="0"/>
+              <a:t>, </a:t>
+            </a:r>
+            <a:r>
+              <a:rPr lang="fi-FI" dirty="0" err="1" smtClean="0"/>
+              <a:t>that</a:t>
+            </a:r>
+            <a:r>
+              <a:rPr lang="fi-FI" dirty="0" smtClean="0"/>
+              <a:t> he </a:t>
+            </a:r>
+            <a:r>
+              <a:rPr lang="fi-FI" dirty="0" err="1" smtClean="0"/>
+              <a:t>can’t</a:t>
+            </a:r>
+            <a:r>
+              <a:rPr lang="fi-FI" dirty="0" smtClean="0"/>
+              <a:t> </a:t>
+            </a:r>
+            <a:r>
+              <a:rPr lang="fi-FI" dirty="0" err="1" smtClean="0"/>
+              <a:t>move</a:t>
+            </a:r>
+            <a:r>
+              <a:rPr lang="fi-FI" dirty="0" smtClean="0"/>
+              <a:t> </a:t>
+            </a:r>
+            <a:r>
+              <a:rPr lang="fi-FI" dirty="0" err="1" smtClean="0"/>
+              <a:t>anymore</a:t>
+            </a:r>
+            <a:endParaRPr lang="fi-FI" dirty="0" smtClean="0"/>
+          </a:p>
+          <a:p>
+            <a:pPr marL="285750" indent="-285750">
+              <a:buFont typeface="Wingdings" panose="05000000000000000000" pitchFamily="2" charset="2"/>
+              <a:buChar char="§"/>
+            </a:pPr>
+            <a:endParaRPr lang="fi-FI" dirty="0"/>
+          </a:p>
+          <a:p>
+            <a:pPr marL="285750" indent="-285750">
+              <a:buFont typeface="Wingdings" panose="05000000000000000000" pitchFamily="2" charset="2"/>
+              <a:buChar char="§"/>
+            </a:pPr>
+            <a:r>
+              <a:rPr lang="fi-FI" dirty="0" smtClean="0"/>
+              <a:t>Basic </a:t>
+            </a:r>
+            <a:r>
+              <a:rPr lang="fi-FI" dirty="0" err="1" smtClean="0"/>
+              <a:t>pathfinding</a:t>
+            </a:r>
+            <a:r>
+              <a:rPr lang="fi-FI" dirty="0" smtClean="0"/>
+              <a:t> and A.I.</a:t>
+            </a:r>
+          </a:p>
+          <a:p>
+            <a:pPr marL="1200150" lvl="2" indent="-285750">
+              <a:buFont typeface="Wingdings" panose="05000000000000000000" pitchFamily="2" charset="2"/>
+              <a:buChar char="Ø"/>
+            </a:pPr>
+            <a:r>
+              <a:rPr lang="fi-FI" dirty="0" err="1" smtClean="0"/>
+              <a:t>Checks</a:t>
+            </a:r>
+            <a:r>
+              <a:rPr lang="fi-FI" dirty="0" smtClean="0"/>
+              <a:t> </a:t>
+            </a:r>
+            <a:r>
+              <a:rPr lang="fi-FI" dirty="0" err="1" smtClean="0"/>
+              <a:t>possible</a:t>
+            </a:r>
+            <a:r>
+              <a:rPr lang="fi-FI" dirty="0" smtClean="0"/>
+              <a:t> </a:t>
+            </a:r>
+            <a:r>
+              <a:rPr lang="fi-FI" dirty="0" err="1" smtClean="0"/>
+              <a:t>moves</a:t>
+            </a:r>
+            <a:r>
+              <a:rPr lang="fi-FI" dirty="0" smtClean="0"/>
+              <a:t> (as the </a:t>
+            </a:r>
+            <a:r>
+              <a:rPr lang="fi-FI" dirty="0" err="1" smtClean="0"/>
+              <a:t>other</a:t>
+            </a:r>
+            <a:r>
+              <a:rPr lang="fi-FI" dirty="0" smtClean="0"/>
+              <a:t> </a:t>
+            </a:r>
+            <a:r>
+              <a:rPr lang="fi-FI" dirty="0" err="1" smtClean="0"/>
+              <a:t>players</a:t>
+            </a:r>
+            <a:r>
+              <a:rPr lang="fi-FI" dirty="0" smtClean="0"/>
+              <a:t>)</a:t>
+            </a:r>
+          </a:p>
+          <a:p>
+            <a:pPr marL="1200150" lvl="2" indent="-285750">
+              <a:buFont typeface="Wingdings" panose="05000000000000000000" pitchFamily="2" charset="2"/>
+              <a:buChar char="Ø"/>
+            </a:pPr>
+            <a:r>
+              <a:rPr lang="fi-FI" dirty="0" err="1" smtClean="0"/>
+              <a:t>Assigns</a:t>
+            </a:r>
+            <a:r>
+              <a:rPr lang="fi-FI" dirty="0" smtClean="0"/>
+              <a:t> </a:t>
+            </a:r>
+            <a:r>
+              <a:rPr lang="fi-FI" dirty="0" err="1" smtClean="0"/>
+              <a:t>values</a:t>
+            </a:r>
+            <a:r>
+              <a:rPr lang="fi-FI" dirty="0" smtClean="0"/>
+              <a:t> to </a:t>
+            </a:r>
+            <a:r>
+              <a:rPr lang="fi-FI" dirty="0" err="1" smtClean="0"/>
+              <a:t>movespots</a:t>
+            </a:r>
+            <a:r>
+              <a:rPr lang="fi-FI" dirty="0" smtClean="0"/>
+              <a:t> </a:t>
+            </a:r>
+            <a:r>
+              <a:rPr lang="fi-FI" dirty="0" err="1" smtClean="0"/>
+              <a:t>based</a:t>
+            </a:r>
+            <a:r>
+              <a:rPr lang="fi-FI" dirty="0" smtClean="0"/>
+              <a:t> on </a:t>
+            </a:r>
+            <a:r>
+              <a:rPr lang="fi-FI" dirty="0" err="1" smtClean="0"/>
+              <a:t>how</a:t>
+            </a:r>
+            <a:r>
+              <a:rPr lang="fi-FI" dirty="0" smtClean="0"/>
+              <a:t> </a:t>
+            </a:r>
+            <a:r>
+              <a:rPr lang="fi-FI" dirty="0" err="1" smtClean="0"/>
+              <a:t>easily</a:t>
+            </a:r>
+            <a:r>
+              <a:rPr lang="fi-FI" dirty="0" smtClean="0"/>
+              <a:t> John </a:t>
+            </a:r>
+            <a:r>
+              <a:rPr lang="fi-FI" dirty="0" err="1" smtClean="0"/>
+              <a:t>can</a:t>
+            </a:r>
+            <a:r>
+              <a:rPr lang="fi-FI" dirty="0" smtClean="0"/>
+              <a:t> </a:t>
+            </a:r>
+            <a:r>
+              <a:rPr lang="fi-FI" dirty="0" err="1" smtClean="0"/>
+              <a:t>get</a:t>
+            </a:r>
+            <a:r>
+              <a:rPr lang="fi-FI" dirty="0" smtClean="0"/>
+              <a:t> </a:t>
+            </a:r>
+            <a:r>
+              <a:rPr lang="fi-FI" dirty="0" err="1" smtClean="0"/>
+              <a:t>blocked</a:t>
+            </a:r>
+            <a:r>
+              <a:rPr lang="fi-FI" dirty="0" smtClean="0"/>
+              <a:t> on the </a:t>
+            </a:r>
+            <a:r>
+              <a:rPr lang="fi-FI" dirty="0" err="1" smtClean="0"/>
+              <a:t>spot</a:t>
+            </a:r>
+            <a:r>
+              <a:rPr lang="fi-FI" dirty="0" smtClean="0"/>
+              <a:t> (</a:t>
+            </a:r>
+            <a:r>
+              <a:rPr lang="fi-FI" dirty="0" err="1" smtClean="0"/>
+              <a:t>many</a:t>
+            </a:r>
+            <a:r>
+              <a:rPr lang="fi-FI" dirty="0" smtClean="0"/>
+              <a:t> </a:t>
+            </a:r>
+            <a:r>
+              <a:rPr lang="fi-FI" dirty="0" err="1" smtClean="0"/>
+              <a:t>adjacent</a:t>
+            </a:r>
+            <a:r>
+              <a:rPr lang="fi-FI" dirty="0" smtClean="0"/>
+              <a:t> </a:t>
+            </a:r>
+            <a:r>
+              <a:rPr lang="fi-FI" dirty="0" err="1" smtClean="0"/>
+              <a:t>walls</a:t>
+            </a:r>
+            <a:r>
+              <a:rPr lang="fi-FI" dirty="0" smtClean="0"/>
+              <a:t>, </a:t>
+            </a:r>
+            <a:r>
+              <a:rPr lang="fi-FI" dirty="0" err="1" smtClean="0"/>
+              <a:t>many</a:t>
+            </a:r>
+            <a:r>
+              <a:rPr lang="fi-FI" dirty="0" smtClean="0"/>
+              <a:t> </a:t>
+            </a:r>
+            <a:r>
+              <a:rPr lang="fi-FI" dirty="0" err="1" smtClean="0"/>
+              <a:t>players</a:t>
+            </a:r>
+            <a:r>
+              <a:rPr lang="fi-FI" dirty="0" smtClean="0"/>
+              <a:t> </a:t>
+            </a:r>
+            <a:r>
+              <a:rPr lang="fi-FI" dirty="0" err="1" smtClean="0"/>
+              <a:t>nearby</a:t>
+            </a:r>
+            <a:r>
+              <a:rPr lang="fi-FI" dirty="0" smtClean="0"/>
+              <a:t>)</a:t>
+            </a:r>
+          </a:p>
+          <a:p>
+            <a:pPr marL="1200150" lvl="2" indent="-285750">
+              <a:buFont typeface="Wingdings" panose="05000000000000000000" pitchFamily="2" charset="2"/>
+              <a:buChar char="Ø"/>
+            </a:pPr>
+            <a:r>
+              <a:rPr lang="fi-FI" dirty="0" err="1" smtClean="0"/>
+              <a:t>Takes</a:t>
+            </a:r>
+            <a:r>
+              <a:rPr lang="fi-FI" dirty="0" smtClean="0"/>
+              <a:t> the </a:t>
+            </a:r>
+            <a:r>
+              <a:rPr lang="fi-FI" dirty="0" err="1" smtClean="0"/>
+              <a:t>least</a:t>
+            </a:r>
+            <a:r>
+              <a:rPr lang="fi-FI" dirty="0" smtClean="0"/>
+              <a:t> </a:t>
+            </a:r>
+            <a:r>
+              <a:rPr lang="fi-FI" dirty="0" err="1" smtClean="0"/>
+              <a:t>dangerous</a:t>
+            </a:r>
+            <a:r>
+              <a:rPr lang="fi-FI" dirty="0" smtClean="0"/>
+              <a:t> </a:t>
+            </a:r>
+            <a:r>
+              <a:rPr lang="fi-FI" dirty="0" err="1" smtClean="0"/>
+              <a:t>move</a:t>
+            </a:r>
+            <a:endParaRPr lang="fi-FI" dirty="0" smtClean="0"/>
+          </a:p>
+          <a:p>
+            <a:pPr marL="1200150" lvl="2" indent="-285750">
+              <a:buFont typeface="Wingdings" panose="05000000000000000000" pitchFamily="2" charset="2"/>
+              <a:buChar char="Ø"/>
+            </a:pPr>
+            <a:r>
+              <a:rPr lang="fi-FI" dirty="0" err="1" smtClean="0"/>
+              <a:t>Basically</a:t>
+            </a:r>
+            <a:r>
+              <a:rPr lang="fi-FI" dirty="0" smtClean="0"/>
+              <a:t> a </a:t>
+            </a:r>
+            <a:r>
+              <a:rPr lang="fi-FI" dirty="0" err="1" smtClean="0"/>
+              <a:t>very</a:t>
+            </a:r>
+            <a:r>
+              <a:rPr lang="fi-FI" dirty="0" smtClean="0"/>
+              <a:t> </a:t>
+            </a:r>
+            <a:r>
+              <a:rPr lang="fi-FI" dirty="0" err="1" smtClean="0"/>
+              <a:t>simple</a:t>
+            </a:r>
+            <a:r>
+              <a:rPr lang="fi-FI" dirty="0" smtClean="0"/>
+              <a:t> </a:t>
+            </a:r>
+            <a:r>
+              <a:rPr lang="fi-FI" dirty="0" err="1" smtClean="0"/>
+              <a:t>influence</a:t>
+            </a:r>
+            <a:r>
+              <a:rPr lang="fi-FI" dirty="0" smtClean="0"/>
+              <a:t> </a:t>
+            </a:r>
+            <a:r>
+              <a:rPr lang="fi-FI" dirty="0" err="1" smtClean="0"/>
+              <a:t>map</a:t>
+            </a:r>
+            <a:endParaRPr lang="fi-FI" dirty="0"/>
+          </a:p>
+        </p:txBody>
+      </p:sp>
+    </p:spTree>
+    <p:extLst>
+      <p:ext uri="{BB962C8B-B14F-4D97-AF65-F5344CB8AC3E}">
+        <p14:creationId xmlns:p14="http://schemas.microsoft.com/office/powerpoint/2010/main" val="666458587"/>
       </p:ext>
     </p:extLst>
   </p:cSld>
